--- a/SWIPE MY RIDE.pptx
+++ b/SWIPE MY RIDE.pptx
@@ -117,6 +117,11 @@
       </a:defRPr>
     </a:lvl9pPr>
   </p:defaultTextStyle>
+  <p:extLst>
+    <p:ext uri="{EFAFB233-063F-42B5-8137-9DF3F51BA10A}">
+      <p15:sldGuideLst xmlns:p15="http://schemas.microsoft.com/office/powerpoint/2012/main"/>
+    </p:ext>
+  </p:extLst>
 </p:presentation>
 </file>
 
@@ -5716,7 +5721,7 @@
           <a:p>
             <a:r>
               <a:rPr lang="en-US" dirty="0"/>
-              <a:t>Team:</a:t>
+              <a:t>Team Members:</a:t>
             </a:r>
           </a:p>
           <a:p>
@@ -6704,44 +6709,184 @@
             <p:ph type="title"/>
           </p:nvPr>
         </p:nvSpPr>
-        <p:spPr/>
-        <p:txBody>
-          <a:bodyPr/>
-          <a:lstStyle/>
-          <a:p>
-            <a:r>
-              <a:rPr lang="en-US" dirty="0"/>
-              <a:t>Details &amp; roles</a:t>
+        <p:spPr>
+          <a:xfrm>
+            <a:off x="913795" y="609600"/>
+            <a:ext cx="10353761" cy="1326321"/>
+          </a:xfrm>
+        </p:spPr>
+        <p:txBody>
+          <a:bodyPr/>
+          <a:lstStyle/>
+          <a:p>
+            <a:r>
+              <a:rPr lang="en-US"/>
+              <a:t>The Crew</a:t>
             </a:r>
             <a:endParaRPr lang="en-NZ" dirty="0"/>
           </a:p>
         </p:txBody>
       </p:sp>
-      <p:sp>
-        <p:nvSpPr>
-          <p:cNvPr id="3" name="Content Placeholder 2">
+      <p:pic>
+        <p:nvPicPr>
+          <p:cNvPr id="5" name="Content Placeholder 4">
             <a:extLst>
               <a:ext uri="{FF2B5EF4-FFF2-40B4-BE49-F238E27FC236}">
-                <a16:creationId xmlns:a16="http://schemas.microsoft.com/office/drawing/2014/main" id="{7F4A34BA-13D4-4EFB-AFED-5B12D71E5C02}"/>
+                <a16:creationId xmlns:a16="http://schemas.microsoft.com/office/drawing/2014/main" id="{5C6CBEF9-31EE-4AFB-B255-7083BDFB7F0A}"/>
               </a:ext>
             </a:extLst>
           </p:cNvPr>
-          <p:cNvSpPr>
-            <a:spLocks noGrp="1"/>
-          </p:cNvSpPr>
+          <p:cNvPicPr>
+            <a:picLocks noGrp="1" noChangeAspect="1"/>
+          </p:cNvPicPr>
           <p:nvPr>
             <p:ph idx="1"/>
           </p:nvPr>
-        </p:nvSpPr>
-        <p:spPr/>
-        <p:txBody>
-          <a:bodyPr/>
-          <a:lstStyle/>
-          <a:p>
-            <a:endParaRPr lang="en-NZ" dirty="0"/>
-          </a:p>
-        </p:txBody>
-      </p:sp>
+        </p:nvPicPr>
+        <p:blipFill>
+          <a:blip r:embed="rId2"/>
+          <a:stretch>
+            <a:fillRect/>
+          </a:stretch>
+        </p:blipFill>
+        <p:spPr>
+          <a:xfrm>
+            <a:off x="338138" y="2999536"/>
+            <a:ext cx="2147154" cy="2233646"/>
+          </a:xfrm>
+          <a:prstGeom prst="rect">
+            <a:avLst/>
+          </a:prstGeom>
+        </p:spPr>
+      </p:pic>
+      <p:pic>
+        <p:nvPicPr>
+          <p:cNvPr id="6" name="Picture 5">
+            <a:extLst>
+              <a:ext uri="{FF2B5EF4-FFF2-40B4-BE49-F238E27FC236}">
+                <a16:creationId xmlns:a16="http://schemas.microsoft.com/office/drawing/2014/main" id="{6AF5F04F-8E4C-4982-BB7C-D0C98BC6E90A}"/>
+              </a:ext>
+            </a:extLst>
+          </p:cNvPr>
+          <p:cNvPicPr>
+            <a:picLocks noChangeAspect="1"/>
+          </p:cNvPicPr>
+          <p:nvPr/>
+        </p:nvPicPr>
+        <p:blipFill>
+          <a:blip r:embed="rId3"/>
+          <a:stretch>
+            <a:fillRect/>
+          </a:stretch>
+        </p:blipFill>
+        <p:spPr>
+          <a:xfrm>
+            <a:off x="2950546" y="2999536"/>
+            <a:ext cx="1902457" cy="2308601"/>
+          </a:xfrm>
+          <a:prstGeom prst="rect">
+            <a:avLst/>
+          </a:prstGeom>
+        </p:spPr>
+      </p:pic>
+      <p:pic>
+        <p:nvPicPr>
+          <p:cNvPr id="7" name="Picture 6">
+            <a:extLst>
+              <a:ext uri="{FF2B5EF4-FFF2-40B4-BE49-F238E27FC236}">
+                <a16:creationId xmlns:a16="http://schemas.microsoft.com/office/drawing/2014/main" id="{D821D6C2-E841-47B5-9E5D-9577B6764B7B}"/>
+              </a:ext>
+            </a:extLst>
+          </p:cNvPr>
+          <p:cNvPicPr>
+            <a:picLocks noChangeAspect="1"/>
+          </p:cNvPicPr>
+          <p:nvPr/>
+        </p:nvPicPr>
+        <p:blipFill>
+          <a:blip r:embed="rId4"/>
+          <a:stretch>
+            <a:fillRect/>
+          </a:stretch>
+        </p:blipFill>
+        <p:spPr>
+          <a:xfrm>
+            <a:off x="10171962" y="2999536"/>
+            <a:ext cx="1902457" cy="2308601"/>
+          </a:xfrm>
+          <a:prstGeom prst="rect">
+            <a:avLst/>
+          </a:prstGeom>
+        </p:spPr>
+      </p:pic>
+      <p:pic>
+        <p:nvPicPr>
+          <p:cNvPr id="8" name="Picture 7">
+            <a:extLst>
+              <a:ext uri="{FF2B5EF4-FFF2-40B4-BE49-F238E27FC236}">
+                <a16:creationId xmlns:a16="http://schemas.microsoft.com/office/drawing/2014/main" id="{36E2995D-C5EE-4C84-ACE5-2D236F59C155}"/>
+              </a:ext>
+            </a:extLst>
+          </p:cNvPr>
+          <p:cNvPicPr>
+            <a:picLocks noChangeAspect="1"/>
+          </p:cNvPicPr>
+          <p:nvPr/>
+        </p:nvPicPr>
+        <p:blipFill>
+          <a:blip r:embed="rId5"/>
+          <a:stretch>
+            <a:fillRect/>
+          </a:stretch>
+        </p:blipFill>
+        <p:spPr>
+          <a:xfrm>
+            <a:off x="7686670" y="2999536"/>
+            <a:ext cx="2020038" cy="2308601"/>
+          </a:xfrm>
+          <a:prstGeom prst="rect">
+            <a:avLst/>
+          </a:prstGeom>
+        </p:spPr>
+      </p:pic>
+      <p:pic>
+        <p:nvPicPr>
+          <p:cNvPr id="9" name="Picture 8">
+            <a:extLst>
+              <a:ext uri="{FF2B5EF4-FFF2-40B4-BE49-F238E27FC236}">
+                <a16:creationId xmlns:a16="http://schemas.microsoft.com/office/drawing/2014/main" id="{8A41195D-B73A-4AD6-88E5-031EC2F793E5}"/>
+              </a:ext>
+            </a:extLst>
+          </p:cNvPr>
+          <p:cNvPicPr>
+            <a:picLocks noChangeAspect="1"/>
+          </p:cNvPicPr>
+          <p:nvPr/>
+        </p:nvPicPr>
+        <p:blipFill>
+          <a:blip r:embed="rId6"/>
+          <a:stretch>
+            <a:fillRect/>
+          </a:stretch>
+        </p:blipFill>
+        <p:spPr>
+          <a:xfrm>
+            <a:off x="5306804" y="2527651"/>
+            <a:ext cx="2147154" cy="2780486"/>
+          </a:xfrm>
+          <a:prstGeom prst="rect">
+            <a:avLst/>
+          </a:prstGeom>
+          <a:effectLst>
+            <a:glow rad="596900">
+              <a:schemeClr val="accent1">
+                <a:lumMod val="75000"/>
+                <a:alpha val="40000"/>
+              </a:schemeClr>
+            </a:glow>
+          </a:effectLst>
+        </p:spPr>
+      </p:pic>
     </p:spTree>
     <p:extLst>
       <p:ext uri="{BB962C8B-B14F-4D97-AF65-F5344CB8AC3E}">
